--- a/examples/basic.pptx
+++ b/examples/basic.pptx
@@ -3070,6 +3070,7 @@
               <a:srgbClr val="000000"/>
             </a:solidFill>
             <a:prstDash val="solid"/>
+            <a:headEnd len="med" type="oval" w="med"/>
             <a:tailEnd len="med" type="arrow" w="med"/>
           </a:ln>
         </p:spPr>

--- a/examples/basic.pptx
+++ b/examples/basic.pptx
@@ -3077,7 +3077,82 @@
       </p:cxnSp>
       <p:sp>
         <p:nvSpPr>
-          <p:cNvPr id="5" name="Rectangle 5"/>
+          <p:cNvPr id="5" name="Arc 5"/>
+          <p:cNvSpPr/>
+          <p:nvPr/>
+        </p:nvSpPr>
+        <p:spPr>
+          <a:xfrm rot="2700000">
+            <a:off x="8640000" y="3240000"/>
+            <a:ext cx="1800000" cy="2880000"/>
+          </a:xfrm>
+          <a:prstGeom prst="arc">
+            <a:avLst>
+              <a:gd fmla="val 5400000" name="adj1"/>
+              <a:gd fmla="val 16200000" name="adj2"/>
+            </a:avLst>
+          </a:prstGeom>
+          <a:ln w="31750">
+            <a:solidFill>
+              <a:srgbClr val="ff0000"/>
+            </a:solidFill>
+            <a:prstDash val="dashDot"/>
+          </a:ln>
+        </p:spPr>
+      </p:sp>
+      <p:sp>
+        <p:nvSpPr>
+          <p:cNvPr id="6" name="Arc 6"/>
+          <p:cNvSpPr/>
+          <p:nvPr/>
+        </p:nvSpPr>
+        <p:spPr>
+          <a:xfrm rot="0">
+            <a:off x="7020000" y="540000"/>
+            <a:ext cx="1800000" cy="1800000"/>
+          </a:xfrm>
+          <a:prstGeom prst="arc">
+            <a:avLst>
+              <a:gd fmla="val 300000" name="adj1"/>
+              <a:gd fmla="val 10500000" name="adj2"/>
+            </a:avLst>
+          </a:prstGeom>
+          <a:ln w="25400">
+            <a:solidFill>
+              <a:srgbClr val="7699d4"/>
+            </a:solidFill>
+            <a:prstDash val="sysDot"/>
+          </a:ln>
+        </p:spPr>
+      </p:sp>
+      <p:sp>
+        <p:nvSpPr>
+          <p:cNvPr id="7" name="Arc 7"/>
+          <p:cNvSpPr/>
+          <p:nvPr/>
+        </p:nvSpPr>
+        <p:spPr>
+          <a:xfrm rot="0">
+            <a:off x="7020000" y="540000"/>
+            <a:ext cx="1800000" cy="1800000"/>
+          </a:xfrm>
+          <a:prstGeom prst="arc">
+            <a:avLst>
+              <a:gd fmla="val 11100000" name="adj1"/>
+              <a:gd fmla="val 21300000" name="adj2"/>
+            </a:avLst>
+          </a:prstGeom>
+          <a:ln w="25400">
+            <a:solidFill>
+              <a:srgbClr val="7699d4"/>
+            </a:solidFill>
+            <a:prstDash val="dash"/>
+          </a:ln>
+        </p:spPr>
+      </p:sp>
+      <p:sp>
+        <p:nvSpPr>
+          <p:cNvPr id="8" name="Rectangle 8"/>
           <p:cNvSpPr/>
           <p:nvPr/>
         </p:nvSpPr>
@@ -3104,7 +3179,7 @@
       </p:sp>
       <p:sp>
         <p:nvSpPr>
-          <p:cNvPr id="6" name="Rectangle 6"/>
+          <p:cNvPr id="9" name="Rectangle 9"/>
           <p:cNvSpPr/>
           <p:nvPr/>
         </p:nvSpPr>
@@ -3131,7 +3206,7 @@
       </p:sp>
       <p:sp>
         <p:nvSpPr>
-          <p:cNvPr id="7" name="Polygon 7"/>
+          <p:cNvPr id="10" name="Polygon 10"/>
           <p:cNvSpPr/>
           <p:nvPr/>
         </p:nvSpPr>
@@ -3178,7 +3253,7 @@
       </p:sp>
       <p:sp>
         <p:nvSpPr>
-          <p:cNvPr id="8" name="Polygon 8"/>
+          <p:cNvPr id="11" name="Polygon 11"/>
           <p:cNvSpPr/>
           <p:nvPr/>
         </p:nvSpPr>
@@ -3222,7 +3297,7 @@
       </p:sp>
       <p:grpSp>
         <p:nvGrpSpPr>
-          <p:cNvPr id="9" name="Group 9"/>
+          <p:cNvPr id="12" name="Group 12"/>
           <p:cNvGrpSpPr/>
           <p:nvPr/>
         </p:nvGrpSpPr>
@@ -3236,7 +3311,7 @@
         </p:grpSpPr>
         <p:cxnSp>
           <p:nvCxnSpPr>
-            <p:cNvPr id="10" name="Line 10"/>
+            <p:cNvPr id="13" name="Line 13"/>
             <p:cNvCxnSpPr/>
             <p:nvPr/>
           </p:nvCxnSpPr>
@@ -3258,7 +3333,7 @@
         </p:cxnSp>
         <p:cxnSp>
           <p:nvCxnSpPr>
-            <p:cNvPr id="11" name="Line 11"/>
+            <p:cNvPr id="14" name="Line 14"/>
             <p:cNvCxnSpPr/>
             <p:nvPr/>
           </p:nvCxnSpPr>
@@ -3280,7 +3355,7 @@
         </p:cxnSp>
         <p:cxnSp>
           <p:nvCxnSpPr>
-            <p:cNvPr id="12" name="Line 12"/>
+            <p:cNvPr id="15" name="Line 15"/>
             <p:cNvCxnSpPr/>
             <p:nvPr/>
           </p:nvCxnSpPr>
@@ -3302,7 +3377,7 @@
         </p:cxnSp>
         <p:sp>
           <p:nvSpPr>
-            <p:cNvPr id="13" name="TextBox 13"/>
+            <p:cNvPr id="16" name="TextBox 16"/>
             <p:cNvSpPr txBox="1"/>
             <p:nvPr/>
           </p:nvSpPr>
@@ -3336,7 +3411,7 @@
         </p:sp>
         <p:sp>
           <p:nvSpPr>
-            <p:cNvPr id="14" name="TextBox 14"/>
+            <p:cNvPr id="17" name="TextBox 17"/>
             <p:cNvSpPr txBox="1"/>
             <p:nvPr/>
           </p:nvSpPr>
@@ -3370,7 +3445,7 @@
         </p:sp>
         <p:sp>
           <p:nvSpPr>
-            <p:cNvPr id="15" name="TextBox 15"/>
+            <p:cNvPr id="18" name="TextBox 18"/>
             <p:cNvSpPr txBox="1"/>
             <p:nvPr/>
           </p:nvSpPr>
@@ -3405,7 +3480,7 @@
       </p:grpSp>
       <p:grpSp>
         <p:nvGrpSpPr>
-          <p:cNvPr id="16" name="Group 16"/>
+          <p:cNvPr id="19" name="Group 19"/>
           <p:cNvGrpSpPr/>
           <p:nvPr/>
         </p:nvGrpSpPr>
@@ -3419,7 +3494,7 @@
         </p:grpSpPr>
         <p:sp>
           <p:nvSpPr>
-            <p:cNvPr id="17" name="Ellipse 17"/>
+            <p:cNvPr id="20" name="Ellipse 20"/>
             <p:cNvSpPr/>
             <p:nvPr/>
           </p:nvSpPr>
@@ -3448,7 +3523,7 @@
         </p:sp>
         <p:sp>
           <p:nvSpPr>
-            <p:cNvPr id="18" name="Ellipse 18"/>
+            <p:cNvPr id="21" name="Ellipse 21"/>
             <p:cNvSpPr/>
             <p:nvPr/>
           </p:nvSpPr>
@@ -3477,7 +3552,7 @@
         </p:sp>
         <p:sp>
           <p:nvSpPr>
-            <p:cNvPr id="19" name="Ellipse 19"/>
+            <p:cNvPr id="22" name="Ellipse 22"/>
             <p:cNvSpPr/>
             <p:nvPr/>
           </p:nvSpPr>
@@ -3507,7 +3582,7 @@
       </p:grpSp>
       <p:grpSp>
         <p:nvGrpSpPr>
-          <p:cNvPr id="20" name="Group 20"/>
+          <p:cNvPr id="23" name="Group 23"/>
           <p:cNvGrpSpPr/>
           <p:nvPr/>
         </p:nvGrpSpPr>
@@ -3521,7 +3596,7 @@
         </p:grpSpPr>
         <p:sp>
           <p:nvSpPr>
-            <p:cNvPr id="21" name="TextBox 21"/>
+            <p:cNvPr id="24" name="TextBox 24"/>
             <p:cNvSpPr txBox="1"/>
             <p:nvPr/>
           </p:nvSpPr>
@@ -3555,7 +3630,7 @@
         </p:sp>
         <p:sp>
           <p:nvSpPr>
-            <p:cNvPr id="22" name="Rectangle 22"/>
+            <p:cNvPr id="25" name="Rectangle 25"/>
             <p:cNvSpPr/>
             <p:nvPr/>
           </p:nvSpPr>
@@ -3582,7 +3657,7 @@
         </p:sp>
         <p:sp>
           <p:nvSpPr>
-            <p:cNvPr id="23" name="Rectangle 23"/>
+            <p:cNvPr id="26" name="Rectangle 26"/>
             <p:cNvSpPr/>
             <p:nvPr/>
           </p:nvSpPr>
@@ -3609,7 +3684,7 @@
         </p:sp>
         <p:sp>
           <p:nvSpPr>
-            <p:cNvPr id="24" name="Rectangle 24"/>
+            <p:cNvPr id="27" name="Rectangle 27"/>
             <p:cNvSpPr/>
             <p:nvPr/>
           </p:nvSpPr>
@@ -3636,7 +3711,7 @@
         </p:sp>
         <p:sp>
           <p:nvSpPr>
-            <p:cNvPr id="25" name="Rectangle 25"/>
+            <p:cNvPr id="28" name="Rectangle 28"/>
             <p:cNvSpPr/>
             <p:nvPr/>
           </p:nvSpPr>

--- a/examples/basic.pptx
+++ b/examples/basic.pptx
@@ -3486,10 +3486,10 @@
         </p:nvGrpSpPr>
         <p:grpSpPr>
           <a:xfrm>
-            <a:off x="1196921" y="2160000"/>
-            <a:ext cx="1746158" cy="1773079"/>
-            <a:chOff x="1196921" y="2160000"/>
-            <a:chExt cx="1746158" cy="1773079"/>
+            <a:off x="1009964" y="2160000"/>
+            <a:ext cx="2120071" cy="1960036"/>
+            <a:chOff x="1009964" y="2160000"/>
+            <a:chExt cx="2120071" cy="1960036"/>
           </a:xfrm>
         </p:grpSpPr>
         <p:sp>
